--- a/big_picture_v1.1_03032019.pptx
+++ b/big_picture_v1.1_03032019.pptx
@@ -4295,6 +4295,81 @@
           <a:xfrm>
             <a:off x="4691317" y="4648743"/>
             <a:ext cx="1607973" cy="664021"/>
+          </a:xfrm>
+          <a:prstGeom prst="rect">
+            <a:avLst/>
+          </a:prstGeom>
+        </p:spPr>
+      </p:pic>
+      <p:sp>
+        <p:nvSpPr>
+          <p:cNvPr id="40" name="Rectangle 39">
+            <a:extLst>
+              <a:ext uri="{FF2B5EF4-FFF2-40B4-BE49-F238E27FC236}">
+                <a16:creationId xmlns:a16="http://schemas.microsoft.com/office/drawing/2014/main" id="{D88560ED-D7C7-BE4A-AAF5-228904137A69}"/>
+              </a:ext>
+            </a:extLst>
+          </p:cNvPr>
+          <p:cNvSpPr/>
+          <p:nvPr/>
+        </p:nvSpPr>
+        <p:spPr>
+          <a:xfrm>
+            <a:off x="7179924" y="1162373"/>
+            <a:ext cx="1860050" cy="912747"/>
+          </a:xfrm>
+          <a:prstGeom prst="rect">
+            <a:avLst/>
+          </a:prstGeom>
+          <a:noFill/>
+        </p:spPr>
+        <p:style>
+          <a:lnRef idx="1">
+            <a:schemeClr val="accent1"/>
+          </a:lnRef>
+          <a:fillRef idx="3">
+            <a:schemeClr val="accent1"/>
+          </a:fillRef>
+          <a:effectRef idx="2">
+            <a:schemeClr val="accent1"/>
+          </a:effectRef>
+          <a:fontRef idx="minor">
+            <a:schemeClr val="lt1"/>
+          </a:fontRef>
+        </p:style>
+        <p:txBody>
+          <a:bodyPr rtlCol="0" anchor="ctr"/>
+          <a:lstStyle/>
+          <a:p>
+            <a:pPr algn="ctr"/>
+            <a:endParaRPr lang="en-US"/>
+          </a:p>
+        </p:txBody>
+      </p:sp>
+      <p:pic>
+        <p:nvPicPr>
+          <p:cNvPr id="2" name="Picture 1">
+            <a:extLst>
+              <a:ext uri="{FF2B5EF4-FFF2-40B4-BE49-F238E27FC236}">
+                <a16:creationId xmlns:a16="http://schemas.microsoft.com/office/drawing/2014/main" id="{12B234C1-A55F-2947-BC21-5CAADCE306D8}"/>
+              </a:ext>
+            </a:extLst>
+          </p:cNvPr>
+          <p:cNvPicPr>
+            <a:picLocks noChangeAspect="1"/>
+          </p:cNvPicPr>
+          <p:nvPr/>
+        </p:nvPicPr>
+        <p:blipFill>
+          <a:blip r:embed="rId23"/>
+          <a:stretch>
+            <a:fillRect/>
+          </a:stretch>
+        </p:blipFill>
+        <p:spPr>
+          <a:xfrm>
+            <a:off x="7239310" y="1300825"/>
+            <a:ext cx="1594973" cy="537167"/>
           </a:xfrm>
           <a:prstGeom prst="rect">
             <a:avLst/>

--- a/big_picture_v1.1_03032019.pptx
+++ b/big_picture_v1.1_03032019.pptx
@@ -3291,7 +3291,7 @@
         </p:blipFill>
         <p:spPr>
           <a:xfrm>
-            <a:off x="4710723" y="2126575"/>
+            <a:off x="4379979" y="2126575"/>
             <a:ext cx="1012004" cy="759003"/>
           </a:xfrm>
           <a:prstGeom prst="rect">
@@ -3331,7 +3331,7 @@
         <p:spPr>
           <a:xfrm>
             <a:off x="4334277" y="2050861"/>
-            <a:ext cx="1666831" cy="912747"/>
+            <a:ext cx="989751" cy="912747"/>
           </a:xfrm>
           <a:prstGeom prst="rect">
             <a:avLst/>
@@ -3763,8 +3763,8 @@
         </p:nvSpPr>
         <p:spPr>
           <a:xfrm>
-            <a:off x="6001109" y="2060798"/>
-            <a:ext cx="1829104" cy="912747"/>
+            <a:off x="5329898" y="2060798"/>
+            <a:ext cx="1167291" cy="912747"/>
           </a:xfrm>
           <a:prstGeom prst="rect">
             <a:avLst/>
@@ -3816,7 +3816,7 @@
         </p:blipFill>
         <p:spPr>
           <a:xfrm>
-            <a:off x="6365449" y="2146577"/>
+            <a:off x="5317873" y="2154709"/>
             <a:ext cx="1230552" cy="769884"/>
           </a:xfrm>
           <a:prstGeom prst="rect">
@@ -4370,6 +4370,36 @@
           <a:xfrm>
             <a:off x="7239310" y="1300825"/>
             <a:ext cx="1594973" cy="537167"/>
+          </a:xfrm>
+          <a:prstGeom prst="rect">
+            <a:avLst/>
+          </a:prstGeom>
+        </p:spPr>
+      </p:pic>
+      <p:pic>
+        <p:nvPicPr>
+          <p:cNvPr id="3" name="Picture 2">
+            <a:extLst>
+              <a:ext uri="{FF2B5EF4-FFF2-40B4-BE49-F238E27FC236}">
+                <a16:creationId xmlns:a16="http://schemas.microsoft.com/office/drawing/2014/main" id="{2CE2850E-46CC-2A4C-B083-632BC4E4530F}"/>
+              </a:ext>
+            </a:extLst>
+          </p:cNvPr>
+          <p:cNvPicPr>
+            <a:picLocks noChangeAspect="1"/>
+          </p:cNvPicPr>
+          <p:nvPr/>
+        </p:nvPicPr>
+        <p:blipFill>
+          <a:blip r:embed="rId24"/>
+          <a:stretch>
+            <a:fillRect/>
+          </a:stretch>
+        </p:blipFill>
+        <p:spPr>
+          <a:xfrm>
+            <a:off x="6654456" y="2031883"/>
+            <a:ext cx="993147" cy="993147"/>
           </a:xfrm>
           <a:prstGeom prst="rect">
             <a:avLst/>
